--- a/Workshop/Intro_to_C++/WS6.pptx
+++ b/Workshop/Intro_to_C++/WS6.pptx
@@ -245,7 +245,7 @@
           <a:p>
             <a:fld id="{30F72102-9CB6-5F42-A929-BAE6D191A529}" type="datetimeFigureOut">
               <a:rPr lang="en-GB" smtClean="0"/>
-              <a:t>09/11/2023</a:t>
+              <a:t>10/11/2023</a:t>
             </a:fld>
             <a:endParaRPr lang="en-GB"/>
           </a:p>
@@ -422,7 +422,7 @@
           <a:p>
             <a:fld id="{4CCA9C1C-F395-4B67-87B6-9C90C25D84AC}" type="datetimeFigureOut">
               <a:rPr lang="en-GB" smtClean="0"/>
-              <a:t>09/11/2023</a:t>
+              <a:t>10/11/2023</a:t>
             </a:fld>
             <a:endParaRPr lang="en-GB"/>
           </a:p>
@@ -1002,7 +1002,7 @@
           <a:p>
             <a:fld id="{88D38747-4367-4BD2-8D51-C97E202738E2}" type="datetime1">
               <a:rPr lang="en-US" smtClean="0"/>
-              <a:t>11/9/23</a:t>
+              <a:t>11/10/23</a:t>
             </a:fld>
             <a:endParaRPr lang="en-US" dirty="0"/>
           </a:p>
@@ -1287,7 +1287,7 @@
           <a:p>
             <a:fld id="{DD642727-B865-412F-A343-E466E6796DD0}" type="datetimeFigureOut">
               <a:rPr lang="en-GB" smtClean="0"/>
-              <a:t>09/11/2023</a:t>
+              <a:t>10/11/2023</a:t>
             </a:fld>
             <a:endParaRPr lang="en-GB"/>
           </a:p>
@@ -1638,7 +1638,7 @@
           <a:p>
             <a:fld id="{073ED0CC-082F-4160-86E5-0D6041F12778}" type="datetime1">
               <a:rPr lang="en-US" smtClean="0"/>
-              <a:t>11/9/23</a:t>
+              <a:t>11/10/23</a:t>
             </a:fld>
             <a:endParaRPr lang="en-US" dirty="0"/>
           </a:p>

--- a/Workshop/Intro_to_C++/WS6.pptx
+++ b/Workshop/Intro_to_C++/WS6.pptx
@@ -808,6 +808,90 @@
     <p:extLst>
       <p:ext uri="{BB962C8B-B14F-4D97-AF65-F5344CB8AC3E}">
         <p14:creationId xmlns:p14="http://schemas.microsoft.com/office/powerpoint/2010/main" val="1548828781"/>
+      </p:ext>
+    </p:extLst>
+  </p:cSld>
+  <p:clrMapOvr>
+    <a:masterClrMapping/>
+  </p:clrMapOvr>
+</p:notes>
+</file>
+
+<file path=ppt/notesSlides/notesSlide2.xml><?xml version="1.0" encoding="utf-8"?>
+<p:notes xmlns:a="http://schemas.openxmlformats.org/drawingml/2006/main" xmlns:r="http://schemas.openxmlformats.org/officeDocument/2006/relationships" xmlns:p="http://schemas.openxmlformats.org/presentationml/2006/main">
+  <p:cSld>
+    <p:spTree>
+      <p:nvGrpSpPr>
+        <p:cNvPr id="1" name=""/>
+        <p:cNvGrpSpPr/>
+        <p:nvPr/>
+      </p:nvGrpSpPr>
+      <p:grpSpPr>
+        <a:xfrm>
+          <a:off x="0" y="0"/>
+          <a:ext cx="0" cy="0"/>
+          <a:chOff x="0" y="0"/>
+          <a:chExt cx="0" cy="0"/>
+        </a:xfrm>
+      </p:grpSpPr>
+      <p:sp>
+        <p:nvSpPr>
+          <p:cNvPr id="2" name="Slide Image Placeholder 1"/>
+          <p:cNvSpPr>
+            <a:spLocks noGrp="1" noRot="1" noChangeAspect="1"/>
+          </p:cNvSpPr>
+          <p:nvPr>
+            <p:ph type="sldImg"/>
+          </p:nvPr>
+        </p:nvSpPr>
+        <p:spPr/>
+      </p:sp>
+      <p:sp>
+        <p:nvSpPr>
+          <p:cNvPr id="3" name="Notes Placeholder 2"/>
+          <p:cNvSpPr>
+            <a:spLocks noGrp="1"/>
+          </p:cNvSpPr>
+          <p:nvPr>
+            <p:ph type="body" idx="1"/>
+          </p:nvPr>
+        </p:nvSpPr>
+        <p:spPr/>
+        <p:txBody>
+          <a:bodyPr/>
+          <a:lstStyle/>
+          <a:p>
+            <a:endParaRPr lang="en-GB" dirty="0"/>
+          </a:p>
+        </p:txBody>
+      </p:sp>
+      <p:sp>
+        <p:nvSpPr>
+          <p:cNvPr id="4" name="Slide Number Placeholder 3"/>
+          <p:cNvSpPr>
+            <a:spLocks noGrp="1"/>
+          </p:cNvSpPr>
+          <p:nvPr>
+            <p:ph type="sldNum" sz="quarter" idx="5"/>
+          </p:nvPr>
+        </p:nvSpPr>
+        <p:spPr/>
+        <p:txBody>
+          <a:bodyPr/>
+          <a:lstStyle/>
+          <a:p>
+            <a:fld id="{BC3DCB38-E6DD-4DF7-AF5B-3188040186D7}" type="slidenum">
+              <a:rPr lang="en-GB" smtClean="0"/>
+              <a:t>22</a:t>
+            </a:fld>
+            <a:endParaRPr lang="en-GB"/>
+          </a:p>
+        </p:txBody>
+      </p:sp>
+    </p:spTree>
+    <p:extLst>
+      <p:ext uri="{BB962C8B-B14F-4D97-AF65-F5344CB8AC3E}">
+        <p14:creationId xmlns:p14="http://schemas.microsoft.com/office/powerpoint/2010/main" val="534536587"/>
       </p:ext>
     </p:extLst>
   </p:cSld>
@@ -23449,7 +23533,7 @@
           <a:p>
             <a:r>
               <a:rPr lang="en-US" sz="1600" dirty="0"/>
-              <a:t>Assume initially a Dem is in power X0 = [1,0], create a method in the MC class that calculates numerically the steady state vector, i.e. the probability that in a given year either party will be in power</a:t>
+              <a:t>Assume initially a Dem is in power X0 = [1,0], create a method in the MC class that calculates analytically the steady state vector, i.e. the probability that in a given year either party will be in power</a:t>
             </a:r>
           </a:p>
           <a:p>
